--- a/lab_reports/lab08/TechWorld.pptx
+++ b/lab_reports/lab08/TechWorld.pptx
@@ -13729,7 +13729,7 @@
         </p:nvSpPr>
         <p:spPr>
           <a:xfrm>
-            <a:off x="1052550" y="299750"/>
+            <a:off x="1052550" y="341475"/>
             <a:ext cx="7038900" cy="914100"/>
           </a:xfrm>
           <a:prstGeom prst="rect">
@@ -14280,7 +14280,7 @@
         </p:nvSpPr>
         <p:spPr>
           <a:xfrm>
-            <a:off x="6548825" y="2484750"/>
+            <a:off x="6548825" y="1083075"/>
             <a:ext cx="1440600" cy="348900"/>
           </a:xfrm>
           <a:prstGeom prst="roundRect">
@@ -14336,7 +14336,7 @@
         </p:nvSpPr>
         <p:spPr>
           <a:xfrm>
-            <a:off x="6790775" y="2481750"/>
+            <a:off x="6790775" y="1080075"/>
             <a:ext cx="956700" cy="180000"/>
           </a:xfrm>
           <a:prstGeom prst="rect">
@@ -14386,44 +14386,15 @@
           </a:p>
         </p:txBody>
       </p:sp>
-      <p:cxnSp>
-        <p:nvCxnSpPr>
-          <p:cNvPr id="199" name="Google Shape;199;p17"/>
-          <p:cNvCxnSpPr>
-            <a:stCxn id="197" idx="1"/>
-            <a:endCxn id="192" idx="3"/>
-          </p:cNvCxnSpPr>
-          <p:nvPr/>
-        </p:nvCxnSpPr>
-        <p:spPr>
-          <a:xfrm flipH="1">
-            <a:off x="4881125" y="2659200"/>
-            <a:ext cx="1667700" cy="1444800"/>
-          </a:xfrm>
-          <a:prstGeom prst="straightConnector1">
-            <a:avLst/>
-          </a:prstGeom>
-          <a:noFill/>
-          <a:ln cap="flat" cmpd="sng" w="19050">
-            <a:solidFill>
-              <a:schemeClr val="dk2"/>
-            </a:solidFill>
-            <a:prstDash val="solid"/>
-            <a:round/>
-            <a:headEnd len="med" w="med" type="none"/>
-            <a:tailEnd len="med" w="med" type="triangle"/>
-          </a:ln>
-        </p:spPr>
-      </p:cxnSp>
       <p:sp>
         <p:nvSpPr>
-          <p:cNvPr id="200" name="Google Shape;200;p17"/>
+          <p:cNvPr id="199" name="Google Shape;199;p17"/>
           <p:cNvSpPr/>
           <p:nvPr/>
         </p:nvSpPr>
         <p:spPr>
           <a:xfrm>
-            <a:off x="6548825" y="1071225"/>
+            <a:off x="6548825" y="2937075"/>
             <a:ext cx="1440600" cy="348900"/>
           </a:xfrm>
           <a:prstGeom prst="roundRect">
@@ -14473,13 +14444,13 @@
       </p:sp>
       <p:sp>
         <p:nvSpPr>
-          <p:cNvPr id="201" name="Google Shape;201;p17"/>
+          <p:cNvPr id="200" name="Google Shape;200;p17"/>
           <p:cNvSpPr txBox="1"/>
           <p:nvPr/>
         </p:nvSpPr>
         <p:spPr>
           <a:xfrm>
-            <a:off x="6740075" y="1033850"/>
+            <a:off x="6740075" y="2899700"/>
             <a:ext cx="1058100" cy="180000"/>
           </a:xfrm>
           <a:prstGeom prst="rect">
@@ -14531,17 +14502,46 @@
       </p:sp>
       <p:cxnSp>
         <p:nvCxnSpPr>
-          <p:cNvPr id="202" name="Google Shape;202;p17"/>
+          <p:cNvPr id="201" name="Google Shape;201;p17"/>
           <p:cNvCxnSpPr>
-            <a:stCxn id="187" idx="3"/>
-            <a:endCxn id="200" idx="1"/>
+            <a:stCxn id="199" idx="1"/>
+            <a:endCxn id="192" idx="3"/>
           </p:cNvCxnSpPr>
           <p:nvPr/>
         </p:nvCxnSpPr>
         <p:spPr>
-          <a:xfrm flipH="1" rot="10800000">
-            <a:off x="4881225" y="1245525"/>
-            <a:ext cx="1667700" cy="10500"/>
+          <a:xfrm flipH="1">
+            <a:off x="4881125" y="3111525"/>
+            <a:ext cx="1667700" cy="992700"/>
+          </a:xfrm>
+          <a:prstGeom prst="straightConnector1">
+            <a:avLst/>
+          </a:prstGeom>
+          <a:noFill/>
+          <a:ln cap="flat" cmpd="sng" w="19050">
+            <a:solidFill>
+              <a:schemeClr val="dk2"/>
+            </a:solidFill>
+            <a:prstDash val="solid"/>
+            <a:round/>
+            <a:headEnd len="med" w="med" type="none"/>
+            <a:tailEnd len="med" w="med" type="triangle"/>
+          </a:ln>
+        </p:spPr>
+      </p:cxnSp>
+      <p:cxnSp>
+        <p:nvCxnSpPr>
+          <p:cNvPr id="202" name="Google Shape;202;p17"/>
+          <p:cNvCxnSpPr>
+            <a:stCxn id="197" idx="2"/>
+            <a:endCxn id="200" idx="0"/>
+          </p:cNvCxnSpPr>
+          <p:nvPr/>
+        </p:nvCxnSpPr>
+        <p:spPr>
+          <a:xfrm>
+            <a:off x="7269125" y="1431975"/>
+            <a:ext cx="0" cy="1467600"/>
           </a:xfrm>
           <a:prstGeom prst="straightConnector1">
             <a:avLst/>
@@ -14562,15 +14562,15 @@
         <p:nvCxnSpPr>
           <p:cNvPr id="203" name="Google Shape;203;p17"/>
           <p:cNvCxnSpPr>
-            <a:stCxn id="200" idx="2"/>
-            <a:endCxn id="198" idx="0"/>
+            <a:stCxn id="187" idx="3"/>
+            <a:endCxn id="197" idx="1"/>
           </p:cNvCxnSpPr>
           <p:nvPr/>
         </p:nvCxnSpPr>
         <p:spPr>
           <a:xfrm>
-            <a:off x="7269125" y="1420125"/>
-            <a:ext cx="0" cy="1061700"/>
+            <a:off x="4881225" y="1256025"/>
+            <a:ext cx="1667700" cy="1500"/>
           </a:xfrm>
           <a:prstGeom prst="straightConnector1">
             <a:avLst/>
